--- a/PowerShell Tools & ToolChains/PowerShell Tools and ToolChains.pptx
+++ b/PowerShell Tools & ToolChains/PowerShell Tools and ToolChains.pptx
@@ -206,7 +206,7 @@
           <a:p>
             <a:fld id="{BE8D98F6-2B88-6540-8393-1D2C9563C156}" type="datetimeFigureOut">
               <a:rPr lang="en-US" smtClean="0"/>
-              <a:t>5/23/2017</a:t>
+              <a:t>5/24/2017</a:t>
             </a:fld>
             <a:endParaRPr lang="en-US"/>
           </a:p>
@@ -2572,7 +2572,6 @@
               <a:rPr lang="en-US" dirty="0"/>
               <a:t>Wrap Up</a:t>
             </a:r>
-            <a:endParaRPr lang="en-US" dirty="0"/>
           </a:p>
         </p:txBody>
       </p:sp>
@@ -2689,7 +2688,6 @@
               <a:rPr lang="en-US" dirty="0"/>
               <a:t> </a:t>
             </a:r>
-            <a:endParaRPr lang="en-US" dirty="0"/>
           </a:p>
           <a:p>
             <a:pPr marL="522900" indent="-342900">
@@ -4589,7 +4587,6 @@
               <a:rPr lang="en-US" dirty="0"/>
               <a:t> </a:t>
             </a:r>
-            <a:endParaRPr lang="en-US" dirty="0"/>
           </a:p>
           <a:p>
             <a:r>
@@ -4610,7 +4607,6 @@
               <a:rPr lang="en-US" dirty="0"/>
               <a:t> </a:t>
             </a:r>
-            <a:endParaRPr lang="en-US" dirty="0"/>
           </a:p>
         </p:txBody>
       </p:sp>
@@ -5174,11 +5170,7 @@
                                           </p:stCondLst>
                                         </p:cTn>
                                         <p:tgtEl>
-                                          <p:spTgt spid="7">
-                                            <p:txEl>
-                                              <p:pRg st="0" end="0"/>
-                                            </p:txEl>
-                                          </p:spTgt>
+                                          <p:spTgt spid="2"/>
                                         </p:tgtEl>
                                         <p:attrNameLst>
                                           <p:attrName>style.visibility</p:attrName>
@@ -5192,11 +5184,7 @@
                                       <p:cBhvr>
                                         <p:cTn id="7" dur="500"/>
                                         <p:tgtEl>
-                                          <p:spTgt spid="7">
-                                            <p:txEl>
-                                              <p:pRg st="0" end="0"/>
-                                            </p:txEl>
-                                          </p:spTgt>
+                                          <p:spTgt spid="2"/>
                                         </p:tgtEl>
                                       </p:cBhvr>
                                     </p:animEffect>
@@ -5235,9 +5223,9 @@
                                           </p:stCondLst>
                                         </p:cTn>
                                         <p:tgtEl>
-                                          <p:spTgt spid="7">
-                                            <p:txEl>
-                                              <p:pRg st="1" end="1"/>
+                                          <p:spTgt spid="3">
+                                            <p:txEl>
+                                              <p:pRg st="0" end="0"/>
                                             </p:txEl>
                                           </p:spTgt>
                                         </p:tgtEl>
@@ -5253,9 +5241,9 @@
                                       <p:cBhvr>
                                         <p:cTn id="12" dur="500"/>
                                         <p:tgtEl>
-                                          <p:spTgt spid="7">
-                                            <p:txEl>
-                                              <p:pRg st="1" end="1"/>
+                                          <p:spTgt spid="3">
+                                            <p:txEl>
+                                              <p:pRg st="0" end="0"/>
                                             </p:txEl>
                                           </p:spTgt>
                                         </p:tgtEl>
@@ -5298,7 +5286,7 @@
                                         <p:tgtEl>
                                           <p:spTgt spid="7">
                                             <p:txEl>
-                                              <p:pRg st="2" end="2"/>
+                                              <p:pRg st="0" end="0"/>
                                             </p:txEl>
                                           </p:spTgt>
                                         </p:tgtEl>
@@ -5316,7 +5304,7 @@
                                         <p:tgtEl>
                                           <p:spTgt spid="7">
                                             <p:txEl>
-                                              <p:pRg st="2" end="2"/>
+                                              <p:pRg st="0" end="0"/>
                                             </p:txEl>
                                           </p:spTgt>
                                         </p:tgtEl>
@@ -5359,7 +5347,7 @@
                                         <p:tgtEl>
                                           <p:spTgt spid="7">
                                             <p:txEl>
-                                              <p:pRg st="3" end="3"/>
+                                              <p:pRg st="1" end="1"/>
                                             </p:txEl>
                                           </p:spTgt>
                                         </p:tgtEl>
@@ -5377,7 +5365,7 @@
                                         <p:tgtEl>
                                           <p:spTgt spid="7">
                                             <p:txEl>
-                                              <p:pRg st="3" end="3"/>
+                                              <p:pRg st="1" end="1"/>
                                             </p:txEl>
                                           </p:spTgt>
                                         </p:tgtEl>
@@ -5420,7 +5408,7 @@
                                         <p:tgtEl>
                                           <p:spTgt spid="7">
                                             <p:txEl>
-                                              <p:pRg st="4" end="4"/>
+                                              <p:pRg st="2" end="2"/>
                                             </p:txEl>
                                           </p:spTgt>
                                         </p:tgtEl>
@@ -5438,7 +5426,7 @@
                                         <p:tgtEl>
                                           <p:spTgt spid="7">
                                             <p:txEl>
-                                              <p:pRg st="4" end="4"/>
+                                              <p:pRg st="2" end="2"/>
                                             </p:txEl>
                                           </p:spTgt>
                                         </p:tgtEl>
@@ -5479,9 +5467,9 @@
                                           </p:stCondLst>
                                         </p:cTn>
                                         <p:tgtEl>
-                                          <p:spTgt spid="8">
-                                            <p:txEl>
-                                              <p:pRg st="0" end="0"/>
+                                          <p:spTgt spid="7">
+                                            <p:txEl>
+                                              <p:pRg st="3" end="3"/>
                                             </p:txEl>
                                           </p:spTgt>
                                         </p:tgtEl>
@@ -5497,9 +5485,9 @@
                                       <p:cBhvr>
                                         <p:cTn id="32" dur="500"/>
                                         <p:tgtEl>
-                                          <p:spTgt spid="8">
-                                            <p:txEl>
-                                              <p:pRg st="0" end="0"/>
+                                          <p:spTgt spid="7">
+                                            <p:txEl>
+                                              <p:pRg st="3" end="3"/>
                                             </p:txEl>
                                           </p:spTgt>
                                         </p:tgtEl>
@@ -5540,9 +5528,9 @@
                                           </p:stCondLst>
                                         </p:cTn>
                                         <p:tgtEl>
-                                          <p:spTgt spid="8">
-                                            <p:txEl>
-                                              <p:pRg st="1" end="1"/>
+                                          <p:spTgt spid="7">
+                                            <p:txEl>
+                                              <p:pRg st="4" end="4"/>
                                             </p:txEl>
                                           </p:spTgt>
                                         </p:tgtEl>
@@ -5558,9 +5546,9 @@
                                       <p:cBhvr>
                                         <p:cTn id="37" dur="500"/>
                                         <p:tgtEl>
-                                          <p:spTgt spid="8">
-                                            <p:txEl>
-                                              <p:pRg st="1" end="1"/>
+                                          <p:spTgt spid="7">
+                                            <p:txEl>
+                                              <p:pRg st="4" end="4"/>
                                             </p:txEl>
                                           </p:spTgt>
                                         </p:tgtEl>
@@ -5603,7 +5591,7 @@
                                         <p:tgtEl>
                                           <p:spTgt spid="8">
                                             <p:txEl>
-                                              <p:pRg st="2" end="2"/>
+                                              <p:pRg st="0" end="0"/>
                                             </p:txEl>
                                           </p:spTgt>
                                         </p:tgtEl>
@@ -5621,7 +5609,7 @@
                                         <p:tgtEl>
                                           <p:spTgt spid="8">
                                             <p:txEl>
-                                              <p:pRg st="2" end="2"/>
+                                              <p:pRg st="0" end="0"/>
                                             </p:txEl>
                                           </p:spTgt>
                                         </p:tgtEl>
@@ -5664,7 +5652,7 @@
                                         <p:tgtEl>
                                           <p:spTgt spid="8">
                                             <p:txEl>
-                                              <p:pRg st="3" end="3"/>
+                                              <p:pRg st="1" end="1"/>
                                             </p:txEl>
                                           </p:spTgt>
                                         </p:tgtEl>
@@ -5682,7 +5670,7 @@
                                         <p:tgtEl>
                                           <p:spTgt spid="8">
                                             <p:txEl>
-                                              <p:pRg st="3" end="3"/>
+                                              <p:pRg st="1" end="1"/>
                                             </p:txEl>
                                           </p:spTgt>
                                         </p:tgtEl>
@@ -5725,7 +5713,7 @@
                                         <p:tgtEl>
                                           <p:spTgt spid="8">
                                             <p:txEl>
-                                              <p:pRg st="4" end="4"/>
+                                              <p:pRg st="2" end="2"/>
                                             </p:txEl>
                                           </p:spTgt>
                                         </p:tgtEl>
@@ -5743,7 +5731,7 @@
                                         <p:tgtEl>
                                           <p:spTgt spid="8">
                                             <p:txEl>
-                                              <p:pRg st="4" end="4"/>
+                                              <p:pRg st="2" end="2"/>
                                             </p:txEl>
                                           </p:spTgt>
                                         </p:tgtEl>
@@ -5784,7 +5772,11 @@
                                           </p:stCondLst>
                                         </p:cTn>
                                         <p:tgtEl>
-                                          <p:spTgt spid="2"/>
+                                          <p:spTgt spid="8">
+                                            <p:txEl>
+                                              <p:pRg st="3" end="3"/>
+                                            </p:txEl>
+                                          </p:spTgt>
                                         </p:tgtEl>
                                         <p:attrNameLst>
                                           <p:attrName>style.visibility</p:attrName>
@@ -5798,7 +5790,11 @@
                                       <p:cBhvr>
                                         <p:cTn id="57" dur="500"/>
                                         <p:tgtEl>
-                                          <p:spTgt spid="2"/>
+                                          <p:spTgt spid="8">
+                                            <p:txEl>
+                                              <p:pRg st="3" end="3"/>
+                                            </p:txEl>
+                                          </p:spTgt>
                                         </p:tgtEl>
                                       </p:cBhvr>
                                     </p:animEffect>
@@ -5837,9 +5833,9 @@
                                           </p:stCondLst>
                                         </p:cTn>
                                         <p:tgtEl>
-                                          <p:spTgt spid="3">
-                                            <p:txEl>
-                                              <p:pRg st="0" end="0"/>
+                                          <p:spTgt spid="8">
+                                            <p:txEl>
+                                              <p:pRg st="4" end="4"/>
                                             </p:txEl>
                                           </p:spTgt>
                                         </p:tgtEl>
@@ -5855,9 +5851,131 @@
                                       <p:cBhvr>
                                         <p:cTn id="62" dur="500"/>
                                         <p:tgtEl>
-                                          <p:spTgt spid="3">
+                                          <p:spTgt spid="8">
+                                            <p:txEl>
+                                              <p:pRg st="4" end="4"/>
+                                            </p:txEl>
+                                          </p:spTgt>
+                                        </p:tgtEl>
+                                      </p:cBhvr>
+                                    </p:animEffect>
+                                  </p:childTnLst>
+                                </p:cTn>
+                              </p:par>
+                            </p:childTnLst>
+                          </p:cTn>
+                        </p:par>
+                      </p:childTnLst>
+                    </p:cTn>
+                  </p:par>
+                  <p:par>
+                    <p:cTn id="63" fill="hold">
+                      <p:stCondLst>
+                        <p:cond delay="indefinite"/>
+                      </p:stCondLst>
+                      <p:childTnLst>
+                        <p:par>
+                          <p:cTn id="64" fill="hold">
+                            <p:stCondLst>
+                              <p:cond delay="0"/>
+                            </p:stCondLst>
+                            <p:childTnLst>
+                              <p:par>
+                                <p:cTn id="65" presetID="10" presetClass="entr" presetSubtype="0" fill="hold" grpId="0" nodeType="clickEffect">
+                                  <p:stCondLst>
+                                    <p:cond delay="0"/>
+                                  </p:stCondLst>
+                                  <p:childTnLst>
+                                    <p:set>
+                                      <p:cBhvr>
+                                        <p:cTn id="66" dur="1" fill="hold">
+                                          <p:stCondLst>
+                                            <p:cond delay="0"/>
+                                          </p:stCondLst>
+                                        </p:cTn>
+                                        <p:tgtEl>
+                                          <p:spTgt spid="4">
                                             <p:txEl>
                                               <p:pRg st="0" end="0"/>
+                                            </p:txEl>
+                                          </p:spTgt>
+                                        </p:tgtEl>
+                                        <p:attrNameLst>
+                                          <p:attrName>style.visibility</p:attrName>
+                                        </p:attrNameLst>
+                                      </p:cBhvr>
+                                      <p:to>
+                                        <p:strVal val="visible"/>
+                                      </p:to>
+                                    </p:set>
+                                    <p:animEffect transition="in" filter="fade">
+                                      <p:cBhvr>
+                                        <p:cTn id="67" dur="500"/>
+                                        <p:tgtEl>
+                                          <p:spTgt spid="4">
+                                            <p:txEl>
+                                              <p:pRg st="0" end="0"/>
+                                            </p:txEl>
+                                          </p:spTgt>
+                                        </p:tgtEl>
+                                      </p:cBhvr>
+                                    </p:animEffect>
+                                  </p:childTnLst>
+                                </p:cTn>
+                              </p:par>
+                            </p:childTnLst>
+                          </p:cTn>
+                        </p:par>
+                      </p:childTnLst>
+                    </p:cTn>
+                  </p:par>
+                  <p:par>
+                    <p:cTn id="68" fill="hold">
+                      <p:stCondLst>
+                        <p:cond delay="indefinite"/>
+                      </p:stCondLst>
+                      <p:childTnLst>
+                        <p:par>
+                          <p:cTn id="69" fill="hold">
+                            <p:stCondLst>
+                              <p:cond delay="0"/>
+                            </p:stCondLst>
+                            <p:childTnLst>
+                              <p:par>
+                                <p:cTn id="70" presetID="10" presetClass="entr" presetSubtype="0" fill="hold" grpId="0" nodeType="clickEffect">
+                                  <p:stCondLst>
+                                    <p:cond delay="0"/>
+                                  </p:stCondLst>
+                                  <p:childTnLst>
+                                    <p:set>
+                                      <p:cBhvr>
+                                        <p:cTn id="71" dur="1" fill="hold">
+                                          <p:stCondLst>
+                                            <p:cond delay="0"/>
+                                          </p:stCondLst>
+                                        </p:cTn>
+                                        <p:tgtEl>
+                                          <p:spTgt spid="4">
+                                            <p:txEl>
+                                              <p:pRg st="1" end="1"/>
+                                            </p:txEl>
+                                          </p:spTgt>
+                                        </p:tgtEl>
+                                        <p:attrNameLst>
+                                          <p:attrName>style.visibility</p:attrName>
+                                        </p:attrNameLst>
+                                      </p:cBhvr>
+                                      <p:to>
+                                        <p:strVal val="visible"/>
+                                      </p:to>
+                                    </p:set>
+                                    <p:animEffect transition="in" filter="fade">
+                                      <p:cBhvr>
+                                        <p:cTn id="72" dur="500"/>
+                                        <p:tgtEl>
+                                          <p:spTgt spid="4">
+                                            <p:txEl>
+                                              <p:pRg st="1" end="1"/>
                                             </p:txEl>
                                           </p:spTgt>
                                         </p:tgtEl>
@@ -5896,6 +6014,7 @@
     <p:bldLst>
       <p:bldP spid="2" grpId="0"/>
       <p:bldP spid="3" grpId="0" build="p"/>
+      <p:bldP spid="4" grpId="0" build="p"/>
       <p:bldP spid="7" grpId="0" build="p"/>
       <p:bldP spid="8" grpId="0" build="p"/>
     </p:bldLst>
@@ -6055,7 +6174,6 @@
               <a:rPr lang="en-US" dirty="0"/>
               <a:t> </a:t>
             </a:r>
-            <a:endParaRPr lang="en-US" dirty="0"/>
           </a:p>
         </p:txBody>
       </p:sp>
@@ -6103,7 +6221,6 @@
               <a:rPr lang="en-US" dirty="0"/>
               <a:t> </a:t>
             </a:r>
-            <a:endParaRPr lang="en-US" dirty="0"/>
           </a:p>
         </p:txBody>
       </p:sp>
@@ -6544,6 +6661,128 @@
                       </p:childTnLst>
                     </p:cTn>
                   </p:par>
+                  <p:par>
+                    <p:cTn id="38" fill="hold">
+                      <p:stCondLst>
+                        <p:cond delay="indefinite"/>
+                      </p:stCondLst>
+                      <p:childTnLst>
+                        <p:par>
+                          <p:cTn id="39" fill="hold">
+                            <p:stCondLst>
+                              <p:cond delay="0"/>
+                            </p:stCondLst>
+                            <p:childTnLst>
+                              <p:par>
+                                <p:cTn id="40" presetID="10" presetClass="entr" presetSubtype="0" fill="hold" grpId="0" nodeType="clickEffect">
+                                  <p:stCondLst>
+                                    <p:cond delay="0"/>
+                                  </p:stCondLst>
+                                  <p:childTnLst>
+                                    <p:set>
+                                      <p:cBhvr>
+                                        <p:cTn id="41" dur="1" fill="hold">
+                                          <p:stCondLst>
+                                            <p:cond delay="0"/>
+                                          </p:stCondLst>
+                                        </p:cTn>
+                                        <p:tgtEl>
+                                          <p:spTgt spid="4">
+                                            <p:txEl>
+                                              <p:pRg st="0" end="0"/>
+                                            </p:txEl>
+                                          </p:spTgt>
+                                        </p:tgtEl>
+                                        <p:attrNameLst>
+                                          <p:attrName>style.visibility</p:attrName>
+                                        </p:attrNameLst>
+                                      </p:cBhvr>
+                                      <p:to>
+                                        <p:strVal val="visible"/>
+                                      </p:to>
+                                    </p:set>
+                                    <p:animEffect transition="in" filter="fade">
+                                      <p:cBhvr>
+                                        <p:cTn id="42" dur="500"/>
+                                        <p:tgtEl>
+                                          <p:spTgt spid="4">
+                                            <p:txEl>
+                                              <p:pRg st="0" end="0"/>
+                                            </p:txEl>
+                                          </p:spTgt>
+                                        </p:tgtEl>
+                                      </p:cBhvr>
+                                    </p:animEffect>
+                                  </p:childTnLst>
+                                </p:cTn>
+                              </p:par>
+                            </p:childTnLst>
+                          </p:cTn>
+                        </p:par>
+                      </p:childTnLst>
+                    </p:cTn>
+                  </p:par>
+                  <p:par>
+                    <p:cTn id="43" fill="hold">
+                      <p:stCondLst>
+                        <p:cond delay="indefinite"/>
+                      </p:stCondLst>
+                      <p:childTnLst>
+                        <p:par>
+                          <p:cTn id="44" fill="hold">
+                            <p:stCondLst>
+                              <p:cond delay="0"/>
+                            </p:stCondLst>
+                            <p:childTnLst>
+                              <p:par>
+                                <p:cTn id="45" presetID="10" presetClass="entr" presetSubtype="0" fill="hold" grpId="0" nodeType="clickEffect">
+                                  <p:stCondLst>
+                                    <p:cond delay="0"/>
+                                  </p:stCondLst>
+                                  <p:childTnLst>
+                                    <p:set>
+                                      <p:cBhvr>
+                                        <p:cTn id="46" dur="1" fill="hold">
+                                          <p:stCondLst>
+                                            <p:cond delay="0"/>
+                                          </p:stCondLst>
+                                        </p:cTn>
+                                        <p:tgtEl>
+                                          <p:spTgt spid="4">
+                                            <p:txEl>
+                                              <p:pRg st="1" end="1"/>
+                                            </p:txEl>
+                                          </p:spTgt>
+                                        </p:tgtEl>
+                                        <p:attrNameLst>
+                                          <p:attrName>style.visibility</p:attrName>
+                                        </p:attrNameLst>
+                                      </p:cBhvr>
+                                      <p:to>
+                                        <p:strVal val="visible"/>
+                                      </p:to>
+                                    </p:set>
+                                    <p:animEffect transition="in" filter="fade">
+                                      <p:cBhvr>
+                                        <p:cTn id="47" dur="500"/>
+                                        <p:tgtEl>
+                                          <p:spTgt spid="4">
+                                            <p:txEl>
+                                              <p:pRg st="1" end="1"/>
+                                            </p:txEl>
+                                          </p:spTgt>
+                                        </p:tgtEl>
+                                      </p:cBhvr>
+                                    </p:animEffect>
+                                  </p:childTnLst>
+                                </p:cTn>
+                              </p:par>
+                            </p:childTnLst>
+                          </p:cTn>
+                        </p:par>
+                      </p:childTnLst>
+                    </p:cTn>
+                  </p:par>
                 </p:childTnLst>
               </p:cTn>
               <p:prevCondLst>
@@ -6568,6 +6807,7 @@
     <p:bldLst>
       <p:bldP spid="2" grpId="0"/>
       <p:bldP spid="3" grpId="0" build="p"/>
+      <p:bldP spid="4" grpId="0" build="p"/>
     </p:bldLst>
   </p:timing>
 </p:sld>
@@ -6668,7 +6908,6 @@
               <a:rPr lang="en-US" dirty="0"/>
               <a:t> </a:t>
             </a:r>
-            <a:endParaRPr lang="en-US" dirty="0"/>
           </a:p>
           <a:p>
             <a:pPr marL="522900" indent="-342900">
@@ -6689,7 +6928,6 @@
               <a:rPr lang="en-US" dirty="0"/>
               <a:t> </a:t>
             </a:r>
-            <a:endParaRPr lang="en-US" dirty="0"/>
           </a:p>
           <a:p>
             <a:pPr marL="522900" indent="-342900">
@@ -6755,11 +6993,7 @@
             </a:r>
             <a:r>
               <a:rPr lang="en-US" dirty="0"/>
-              <a:t> </a:t>
-            </a:r>
-            <a:r>
-              <a:rPr lang="en-US" dirty="0"/>
-              <a:t> </a:t>
+              <a:t>  </a:t>
             </a:r>
           </a:p>
         </p:txBody>
@@ -7201,6 +7435,67 @@
                       </p:childTnLst>
                     </p:cTn>
                   </p:par>
+                  <p:par>
+                    <p:cTn id="38" fill="hold">
+                      <p:stCondLst>
+                        <p:cond delay="indefinite"/>
+                      </p:stCondLst>
+                      <p:childTnLst>
+                        <p:par>
+                          <p:cTn id="39" fill="hold">
+                            <p:stCondLst>
+                              <p:cond delay="0"/>
+                            </p:stCondLst>
+                            <p:childTnLst>
+                              <p:par>
+                                <p:cTn id="40" presetID="10" presetClass="entr" presetSubtype="0" fill="hold" grpId="0" nodeType="clickEffect">
+                                  <p:stCondLst>
+                                    <p:cond delay="0"/>
+                                  </p:stCondLst>
+                                  <p:childTnLst>
+                                    <p:set>
+                                      <p:cBhvr>
+                                        <p:cTn id="41" dur="1" fill="hold">
+                                          <p:stCondLst>
+                                            <p:cond delay="0"/>
+                                          </p:stCondLst>
+                                        </p:cTn>
+                                        <p:tgtEl>
+                                          <p:spTgt spid="4">
+                                            <p:txEl>
+                                              <p:pRg st="0" end="0"/>
+                                            </p:txEl>
+                                          </p:spTgt>
+                                        </p:tgtEl>
+                                        <p:attrNameLst>
+                                          <p:attrName>style.visibility</p:attrName>
+                                        </p:attrNameLst>
+                                      </p:cBhvr>
+                                      <p:to>
+                                        <p:strVal val="visible"/>
+                                      </p:to>
+                                    </p:set>
+                                    <p:animEffect transition="in" filter="fade">
+                                      <p:cBhvr>
+                                        <p:cTn id="42" dur="500"/>
+                                        <p:tgtEl>
+                                          <p:spTgt spid="4">
+                                            <p:txEl>
+                                              <p:pRg st="0" end="0"/>
+                                            </p:txEl>
+                                          </p:spTgt>
+                                        </p:tgtEl>
+                                      </p:cBhvr>
+                                    </p:animEffect>
+                                  </p:childTnLst>
+                                </p:cTn>
+                              </p:par>
+                            </p:childTnLst>
+                          </p:cTn>
+                        </p:par>
+                      </p:childTnLst>
+                    </p:cTn>
+                  </p:par>
                 </p:childTnLst>
               </p:cTn>
               <p:prevCondLst>
@@ -7225,6 +7520,7 @@
     <p:bldLst>
       <p:bldP spid="2" grpId="0"/>
       <p:bldP spid="3" grpId="0" build="p"/>
+      <p:bldP spid="4" grpId="0" build="p"/>
     </p:bldLst>
   </p:timing>
 </p:sld>
@@ -7403,7 +7699,6 @@
               <a:rPr lang="en-US" dirty="0"/>
               <a:t> </a:t>
             </a:r>
-            <a:endParaRPr lang="en-US" dirty="0"/>
           </a:p>
         </p:txBody>
       </p:sp>
@@ -7894,7 +8189,6 @@
               <a:rPr lang="en-US" dirty="0"/>
               <a:t>  </a:t>
             </a:r>
-            <a:endParaRPr lang="en-US" dirty="0"/>
           </a:p>
         </p:txBody>
       </p:sp>
@@ -8579,6 +8873,112 @@
                       </p:childTnLst>
                     </p:cTn>
                   </p:par>
+                  <p:par>
+                    <p:cTn id="58" fill="hold">
+                      <p:stCondLst>
+                        <p:cond delay="indefinite"/>
+                      </p:stCondLst>
+                      <p:childTnLst>
+                        <p:par>
+                          <p:cTn id="59" fill="hold">
+                            <p:stCondLst>
+                              <p:cond delay="0"/>
+                            </p:stCondLst>
+                            <p:childTnLst>
+                              <p:par>
+                                <p:cTn id="60" presetID="10" presetClass="entr" presetSubtype="0" fill="hold" grpId="0" nodeType="clickEffect">
+                                  <p:stCondLst>
+                                    <p:cond delay="0"/>
+                                  </p:stCondLst>
+                                  <p:childTnLst>
+                                    <p:set>
+                                      <p:cBhvr>
+                                        <p:cTn id="61" dur="1" fill="hold">
+                                          <p:stCondLst>
+                                            <p:cond delay="0"/>
+                                          </p:stCondLst>
+                                        </p:cTn>
+                                        <p:tgtEl>
+                                          <p:spTgt spid="4"/>
+                                        </p:tgtEl>
+                                        <p:attrNameLst>
+                                          <p:attrName>style.visibility</p:attrName>
+                                        </p:attrNameLst>
+                                      </p:cBhvr>
+                                      <p:to>
+                                        <p:strVal val="visible"/>
+                                      </p:to>
+                                    </p:set>
+                                    <p:animEffect transition="in" filter="fade">
+                                      <p:cBhvr>
+                                        <p:cTn id="62" dur="500"/>
+                                        <p:tgtEl>
+                                          <p:spTgt spid="4"/>
+                                        </p:tgtEl>
+                                      </p:cBhvr>
+                                    </p:animEffect>
+                                  </p:childTnLst>
+                                </p:cTn>
+                              </p:par>
+                            </p:childTnLst>
+                          </p:cTn>
+                        </p:par>
+                      </p:childTnLst>
+                    </p:cTn>
+                  </p:par>
+                  <p:par>
+                    <p:cTn id="63" fill="hold">
+                      <p:stCondLst>
+                        <p:cond delay="indefinite"/>
+                      </p:stCondLst>
+                      <p:childTnLst>
+                        <p:par>
+                          <p:cTn id="64" fill="hold">
+                            <p:stCondLst>
+                              <p:cond delay="0"/>
+                            </p:stCondLst>
+                            <p:childTnLst>
+                              <p:par>
+                                <p:cTn id="65" presetID="10" presetClass="entr" presetSubtype="0" fill="hold" grpId="0" nodeType="clickEffect">
+                                  <p:stCondLst>
+                                    <p:cond delay="0"/>
+                                  </p:stCondLst>
+                                  <p:childTnLst>
+                                    <p:set>
+                                      <p:cBhvr>
+                                        <p:cTn id="66" dur="1" fill="hold">
+                                          <p:stCondLst>
+                                            <p:cond delay="0"/>
+                                          </p:stCondLst>
+                                        </p:cTn>
+                                        <p:tgtEl>
+                                          <p:spTgt spid="6"/>
+                                        </p:tgtEl>
+                                        <p:attrNameLst>
+                                          <p:attrName>style.visibility</p:attrName>
+                                        </p:attrNameLst>
+                                      </p:cBhvr>
+                                      <p:to>
+                                        <p:strVal val="visible"/>
+                                      </p:to>
+                                    </p:set>
+                                    <p:animEffect transition="in" filter="fade">
+                                      <p:cBhvr>
+                                        <p:cTn id="67" dur="500"/>
+                                        <p:tgtEl>
+                                          <p:spTgt spid="6"/>
+                                        </p:tgtEl>
+                                      </p:cBhvr>
+                                    </p:animEffect>
+                                  </p:childTnLst>
+                                </p:cTn>
+                              </p:par>
+                            </p:childTnLst>
+                          </p:cTn>
+                        </p:par>
+                      </p:childTnLst>
+                    </p:cTn>
+                  </p:par>
                 </p:childTnLst>
               </p:cTn>
               <p:prevCondLst>
@@ -8603,7 +9003,9 @@
     <p:bldLst>
       <p:bldP spid="2" grpId="0"/>
       <p:bldP spid="3" grpId="0" build="p"/>
+      <p:bldP spid="4" grpId="0"/>
       <p:bldP spid="5" grpId="0" build="p"/>
+      <p:bldP spid="6" grpId="0"/>
     </p:bldLst>
   </p:timing>
 </p:sld>
@@ -8645,7 +9047,6 @@
               <a:rPr lang="en-US" dirty="0"/>
               <a:t>Code Sharing, Where &amp; Why</a:t>
             </a:r>
-            <a:endParaRPr lang="en-US" dirty="0"/>
           </a:p>
         </p:txBody>
       </p:sp>
@@ -9926,7 +10327,6 @@
               <a:rPr lang="en-US" dirty="0"/>
               <a:t>  </a:t>
             </a:r>
-            <a:endParaRPr lang="en-US" dirty="0"/>
           </a:p>
         </p:txBody>
       </p:sp>
@@ -10404,7 +10804,6 @@
               <a:rPr lang="en-US" dirty="0"/>
               <a:t>  </a:t>
             </a:r>
-            <a:endParaRPr lang="en-US" dirty="0"/>
           </a:p>
         </p:txBody>
       </p:sp>
@@ -11638,6 +12037,165 @@
                       </p:childTnLst>
                     </p:cTn>
                   </p:par>
+                  <p:par>
+                    <p:cTn id="103" fill="hold">
+                      <p:stCondLst>
+                        <p:cond delay="indefinite"/>
+                      </p:stCondLst>
+                      <p:childTnLst>
+                        <p:par>
+                          <p:cTn id="104" fill="hold">
+                            <p:stCondLst>
+                              <p:cond delay="0"/>
+                            </p:stCondLst>
+                            <p:childTnLst>
+                              <p:par>
+                                <p:cTn id="105" presetID="10" presetClass="entr" presetSubtype="0" fill="hold" grpId="0" nodeType="clickEffect">
+                                  <p:stCondLst>
+                                    <p:cond delay="0"/>
+                                  </p:stCondLst>
+                                  <p:childTnLst>
+                                    <p:set>
+                                      <p:cBhvr>
+                                        <p:cTn id="106" dur="1" fill="hold">
+                                          <p:stCondLst>
+                                            <p:cond delay="0"/>
+                                          </p:stCondLst>
+                                        </p:cTn>
+                                        <p:tgtEl>
+                                          <p:spTgt spid="10"/>
+                                        </p:tgtEl>
+                                        <p:attrNameLst>
+                                          <p:attrName>style.visibility</p:attrName>
+                                        </p:attrNameLst>
+                                      </p:cBhvr>
+                                      <p:to>
+                                        <p:strVal val="visible"/>
+                                      </p:to>
+                                    </p:set>
+                                    <p:animEffect transition="in" filter="fade">
+                                      <p:cBhvr>
+                                        <p:cTn id="107" dur="500"/>
+                                        <p:tgtEl>
+                                          <p:spTgt spid="10"/>
+                                        </p:tgtEl>
+                                      </p:cBhvr>
+                                    </p:animEffect>
+                                  </p:childTnLst>
+                                </p:cTn>
+                              </p:par>
+                            </p:childTnLst>
+                          </p:cTn>
+                        </p:par>
+                      </p:childTnLst>
+                    </p:cTn>
+                  </p:par>
+                  <p:par>
+                    <p:cTn id="108" fill="hold">
+                      <p:stCondLst>
+                        <p:cond delay="indefinite"/>
+                      </p:stCondLst>
+                      <p:childTnLst>
+                        <p:par>
+                          <p:cTn id="109" fill="hold">
+                            <p:stCondLst>
+                              <p:cond delay="0"/>
+                            </p:stCondLst>
+                            <p:childTnLst>
+                              <p:par>
+                                <p:cTn id="110" presetID="10" presetClass="entr" presetSubtype="0" fill="hold" grpId="0" nodeType="clickEffect">
+                                  <p:stCondLst>
+                                    <p:cond delay="0"/>
+                                  </p:stCondLst>
+                                  <p:childTnLst>
+                                    <p:set>
+                                      <p:cBhvr>
+                                        <p:cTn id="111" dur="1" fill="hold">
+                                          <p:stCondLst>
+                                            <p:cond delay="0"/>
+                                          </p:stCondLst>
+                                        </p:cTn>
+                                        <p:tgtEl>
+                                          <p:spTgt spid="11"/>
+                                        </p:tgtEl>
+                                        <p:attrNameLst>
+                                          <p:attrName>style.visibility</p:attrName>
+                                        </p:attrNameLst>
+                                      </p:cBhvr>
+                                      <p:to>
+                                        <p:strVal val="visible"/>
+                                      </p:to>
+                                    </p:set>
+                                    <p:animEffect transition="in" filter="fade">
+                                      <p:cBhvr>
+                                        <p:cTn id="112" dur="500"/>
+                                        <p:tgtEl>
+                                          <p:spTgt spid="11"/>
+                                        </p:tgtEl>
+                                      </p:cBhvr>
+                                    </p:animEffect>
+                                  </p:childTnLst>
+                                </p:cTn>
+                              </p:par>
+                            </p:childTnLst>
+                          </p:cTn>
+                        </p:par>
+                      </p:childTnLst>
+                    </p:cTn>
+                  </p:par>
+                  <p:par>
+                    <p:cTn id="113" fill="hold">
+                      <p:stCondLst>
+                        <p:cond delay="indefinite"/>
+                      </p:stCondLst>
+                      <p:childTnLst>
+                        <p:par>
+                          <p:cTn id="114" fill="hold">
+                            <p:stCondLst>
+                              <p:cond delay="0"/>
+                            </p:stCondLst>
+                            <p:childTnLst>
+                              <p:par>
+                                <p:cTn id="115" presetID="10" presetClass="entr" presetSubtype="0" fill="hold" grpId="0" nodeType="clickEffect">
+                                  <p:stCondLst>
+                                    <p:cond delay="0"/>
+                                  </p:stCondLst>
+                                  <p:childTnLst>
+                                    <p:set>
+                                      <p:cBhvr>
+                                        <p:cTn id="116" dur="1" fill="hold">
+                                          <p:stCondLst>
+                                            <p:cond delay="0"/>
+                                          </p:stCondLst>
+                                        </p:cTn>
+                                        <p:tgtEl>
+                                          <p:spTgt spid="12"/>
+                                        </p:tgtEl>
+                                        <p:attrNameLst>
+                                          <p:attrName>style.visibility</p:attrName>
+                                        </p:attrNameLst>
+                                      </p:cBhvr>
+                                      <p:to>
+                                        <p:strVal val="visible"/>
+                                      </p:to>
+                                    </p:set>
+                                    <p:animEffect transition="in" filter="fade">
+                                      <p:cBhvr>
+                                        <p:cTn id="117" dur="500"/>
+                                        <p:tgtEl>
+                                          <p:spTgt spid="12"/>
+                                        </p:tgtEl>
+                                      </p:cBhvr>
+                                    </p:animEffect>
+                                  </p:childTnLst>
+                                </p:cTn>
+                              </p:par>
+                            </p:childTnLst>
+                          </p:cTn>
+                        </p:par>
+                      </p:childTnLst>
+                    </p:cTn>
+                  </p:par>
                 </p:childTnLst>
               </p:cTn>
               <p:prevCondLst>
@@ -11666,6 +12224,9 @@
       <p:bldP spid="6" grpId="0" build="p"/>
       <p:bldP spid="7" grpId="0" build="p"/>
       <p:bldP spid="8" grpId="0" build="p"/>
+      <p:bldP spid="10" grpId="0"/>
+      <p:bldP spid="11" grpId="0"/>
+      <p:bldP spid="12" grpId="0"/>
     </p:bldLst>
   </p:timing>
 </p:sld>
@@ -11707,7 +12268,6 @@
               <a:rPr lang="en-US" dirty="0"/>
               <a:t>Third Party Products</a:t>
             </a:r>
-            <a:endParaRPr lang="en-US" dirty="0"/>
           </a:p>
         </p:txBody>
       </p:sp>
@@ -11851,7 +12411,6 @@
               <a:rPr lang="en-US" dirty="0"/>
               <a:t> </a:t>
             </a:r>
-            <a:endParaRPr lang="en-US" dirty="0"/>
           </a:p>
         </p:txBody>
       </p:sp>
@@ -12070,7 +12629,6 @@
               <a:rPr lang="en-US" dirty="0"/>
               <a:t> </a:t>
             </a:r>
-            <a:endParaRPr lang="en-US" dirty="0"/>
           </a:p>
           <a:p>
             <a:endParaRPr lang="en-US" dirty="0"/>
@@ -12514,6 +13072,112 @@
                       </p:childTnLst>
                     </p:cTn>
                   </p:par>
+                  <p:par>
+                    <p:cTn id="38" fill="hold">
+                      <p:stCondLst>
+                        <p:cond delay="indefinite"/>
+                      </p:stCondLst>
+                      <p:childTnLst>
+                        <p:par>
+                          <p:cTn id="39" fill="hold">
+                            <p:stCondLst>
+                              <p:cond delay="0"/>
+                            </p:stCondLst>
+                            <p:childTnLst>
+                              <p:par>
+                                <p:cTn id="40" presetID="10" presetClass="entr" presetSubtype="0" fill="hold" grpId="0" nodeType="clickEffect">
+                                  <p:stCondLst>
+                                    <p:cond delay="0"/>
+                                  </p:stCondLst>
+                                  <p:childTnLst>
+                                    <p:set>
+                                      <p:cBhvr>
+                                        <p:cTn id="41" dur="1" fill="hold">
+                                          <p:stCondLst>
+                                            <p:cond delay="0"/>
+                                          </p:stCondLst>
+                                        </p:cTn>
+                                        <p:tgtEl>
+                                          <p:spTgt spid="4"/>
+                                        </p:tgtEl>
+                                        <p:attrNameLst>
+                                          <p:attrName>style.visibility</p:attrName>
+                                        </p:attrNameLst>
+                                      </p:cBhvr>
+                                      <p:to>
+                                        <p:strVal val="visible"/>
+                                      </p:to>
+                                    </p:set>
+                                    <p:animEffect transition="in" filter="fade">
+                                      <p:cBhvr>
+                                        <p:cTn id="42" dur="500"/>
+                                        <p:tgtEl>
+                                          <p:spTgt spid="4"/>
+                                        </p:tgtEl>
+                                      </p:cBhvr>
+                                    </p:animEffect>
+                                  </p:childTnLst>
+                                </p:cTn>
+                              </p:par>
+                            </p:childTnLst>
+                          </p:cTn>
+                        </p:par>
+                      </p:childTnLst>
+                    </p:cTn>
+                  </p:par>
+                  <p:par>
+                    <p:cTn id="43" fill="hold">
+                      <p:stCondLst>
+                        <p:cond delay="indefinite"/>
+                      </p:stCondLst>
+                      <p:childTnLst>
+                        <p:par>
+                          <p:cTn id="44" fill="hold">
+                            <p:stCondLst>
+                              <p:cond delay="0"/>
+                            </p:stCondLst>
+                            <p:childTnLst>
+                              <p:par>
+                                <p:cTn id="45" presetID="10" presetClass="entr" presetSubtype="0" fill="hold" grpId="0" nodeType="clickEffect">
+                                  <p:stCondLst>
+                                    <p:cond delay="0"/>
+                                  </p:stCondLst>
+                                  <p:childTnLst>
+                                    <p:set>
+                                      <p:cBhvr>
+                                        <p:cTn id="46" dur="1" fill="hold">
+                                          <p:stCondLst>
+                                            <p:cond delay="0"/>
+                                          </p:stCondLst>
+                                        </p:cTn>
+                                        <p:tgtEl>
+                                          <p:spTgt spid="5"/>
+                                        </p:tgtEl>
+                                        <p:attrNameLst>
+                                          <p:attrName>style.visibility</p:attrName>
+                                        </p:attrNameLst>
+                                      </p:cBhvr>
+                                      <p:to>
+                                        <p:strVal val="visible"/>
+                                      </p:to>
+                                    </p:set>
+                                    <p:animEffect transition="in" filter="fade">
+                                      <p:cBhvr>
+                                        <p:cTn id="47" dur="500"/>
+                                        <p:tgtEl>
+                                          <p:spTgt spid="5"/>
+                                        </p:tgtEl>
+                                      </p:cBhvr>
+                                    </p:animEffect>
+                                  </p:childTnLst>
+                                </p:cTn>
+                              </p:par>
+                            </p:childTnLst>
+                          </p:cTn>
+                        </p:par>
+                      </p:childTnLst>
+                    </p:cTn>
+                  </p:par>
                 </p:childTnLst>
               </p:cTn>
               <p:prevCondLst>
@@ -12538,6 +13202,8 @@
     <p:bldLst>
       <p:bldP spid="2" grpId="0"/>
       <p:bldP spid="3" grpId="0" build="p"/>
+      <p:bldP spid="4" grpId="0"/>
+      <p:bldP spid="5" grpId="0"/>
     </p:bldLst>
   </p:timing>
 </p:sld>
